--- a/Q3/第13回勉強会Q3_03.pptx
+++ b/Q3/第13回勉強会Q3_03.pptx
@@ -1,6 +1,6 @@
 
 <file path=ppt/presentation.xml><?xml version="1.0" encoding="utf-8"?>
-<p:presentation xmlns:a="http://schemas.openxmlformats.org/drawingml/2006/main" xmlns:r="http://schemas.openxmlformats.org/officeDocument/2006/relationships" xmlns:p="http://schemas.openxmlformats.org/presentationml/2006/main" saveSubsetFonts="1">
+<p:presentation xmlns:a="http://schemas.openxmlformats.org/drawingml/2006/main" xmlns:r="http://schemas.openxmlformats.org/officeDocument/2006/relationships" xmlns:p="http://schemas.openxmlformats.org/presentationml/2006/main" removePersonalInfoOnSave="1" saveSubsetFonts="1">
   <p:sldMasterIdLst>
     <p:sldMasterId id="2147483648" r:id="rId1"/>
   </p:sldMasterIdLst>
@@ -139,1082 +139,6 @@
 </p1510:revInfo>
 </file>
 
-<file path=ppt/changesInfos/changesInfo1.xml><?xml version="1.0" encoding="utf-8"?>
-<pc:chgInfo xmlns:a="http://schemas.openxmlformats.org/drawingml/2006/main" xmlns:r="http://schemas.openxmlformats.org/officeDocument/2006/relationships" xmlns:ac="http://schemas.microsoft.com/office/drawing/2013/main/command" xmlns:pc="http://schemas.microsoft.com/office/powerpoint/2013/main/command">
-  <pc:docChgLst>
-    <pc:chgData name="NaruTo KAZAMAI" userId="017d3e5d8390d408" providerId="LiveId" clId="{FADA14B9-BDE2-48F9-B6B7-107EA1E5ECF2}"/>
-    <pc:docChg chg="custSel modSld">
-      <pc:chgData name="NaruTo KAZAMAI" userId="017d3e5d8390d408" providerId="LiveId" clId="{FADA14B9-BDE2-48F9-B6B7-107EA1E5ECF2}" dt="2019-01-27T15:36:12.410" v="241" actId="14100"/>
-      <pc:docMkLst>
-        <pc:docMk/>
-      </pc:docMkLst>
-      <pc:sldChg chg="modSp">
-        <pc:chgData name="NaruTo KAZAMAI" userId="017d3e5d8390d408" providerId="LiveId" clId="{FADA14B9-BDE2-48F9-B6B7-107EA1E5ECF2}" dt="2019-01-25T14:51:42.627" v="29" actId="27636"/>
-        <pc:sldMkLst>
-          <pc:docMk/>
-          <pc:sldMk cId="2575279724" sldId="256"/>
-        </pc:sldMkLst>
-        <pc:spChg chg="mod">
-          <ac:chgData name="NaruTo KAZAMAI" userId="017d3e5d8390d408" providerId="LiveId" clId="{FADA14B9-BDE2-48F9-B6B7-107EA1E5ECF2}" dt="2019-01-25T14:51:42.627" v="29" actId="27636"/>
-          <ac:spMkLst>
-            <pc:docMk/>
-            <pc:sldMk cId="2575279724" sldId="256"/>
-            <ac:spMk id="2" creationId="{E7512479-C75A-4D9E-BDFB-3CFA52F80BB1}"/>
-          </ac:spMkLst>
-        </pc:spChg>
-        <pc:spChg chg="mod">
-          <ac:chgData name="NaruTo KAZAMAI" userId="017d3e5d8390d408" providerId="LiveId" clId="{FADA14B9-BDE2-48F9-B6B7-107EA1E5ECF2}" dt="2019-01-25T14:51:39.582" v="27" actId="14100"/>
-          <ac:spMkLst>
-            <pc:docMk/>
-            <pc:sldMk cId="2575279724" sldId="256"/>
-            <ac:spMk id="3" creationId="{EE4FA7F6-23B0-473D-99AB-126FFFB253D7}"/>
-          </ac:spMkLst>
-        </pc:spChg>
-      </pc:sldChg>
-      <pc:sldChg chg="addSp delSp modSp">
-        <pc:chgData name="NaruTo KAZAMAI" userId="017d3e5d8390d408" providerId="LiveId" clId="{FADA14B9-BDE2-48F9-B6B7-107EA1E5ECF2}" dt="2019-01-27T15:35:32.185" v="233" actId="1076"/>
-        <pc:sldMkLst>
-          <pc:docMk/>
-          <pc:sldMk cId="1148044982" sldId="257"/>
-        </pc:sldMkLst>
-        <pc:picChg chg="del">
-          <ac:chgData name="NaruTo KAZAMAI" userId="017d3e5d8390d408" providerId="LiveId" clId="{FADA14B9-BDE2-48F9-B6B7-107EA1E5ECF2}" dt="2019-01-27T15:24:34.468" v="225" actId="478"/>
-          <ac:picMkLst>
-            <pc:docMk/>
-            <pc:sldMk cId="1148044982" sldId="257"/>
-            <ac:picMk id="4" creationId="{6E099FAF-AE58-495F-AC6E-3369EA55E049}"/>
-          </ac:picMkLst>
-        </pc:picChg>
-        <pc:picChg chg="add del mod">
-          <ac:chgData name="NaruTo KAZAMAI" userId="017d3e5d8390d408" providerId="LiveId" clId="{FADA14B9-BDE2-48F9-B6B7-107EA1E5ECF2}" dt="2019-01-27T15:33:59.328" v="229" actId="478"/>
-          <ac:picMkLst>
-            <pc:docMk/>
-            <pc:sldMk cId="1148044982" sldId="257"/>
-            <ac:picMk id="5" creationId="{0E791BB1-4F9F-4F09-873A-77261CF79B6C}"/>
-          </ac:picMkLst>
-        </pc:picChg>
-        <pc:picChg chg="add mod">
-          <ac:chgData name="NaruTo KAZAMAI" userId="017d3e5d8390d408" providerId="LiveId" clId="{FADA14B9-BDE2-48F9-B6B7-107EA1E5ECF2}" dt="2019-01-27T15:34:56.918" v="231" actId="1076"/>
-          <ac:picMkLst>
-            <pc:docMk/>
-            <pc:sldMk cId="1148044982" sldId="257"/>
-            <ac:picMk id="6" creationId="{07BBCAB2-078E-47DF-A207-F68C0A46E007}"/>
-          </ac:picMkLst>
-        </pc:picChg>
-        <pc:picChg chg="add mod">
-          <ac:chgData name="NaruTo KAZAMAI" userId="017d3e5d8390d408" providerId="LiveId" clId="{FADA14B9-BDE2-48F9-B6B7-107EA1E5ECF2}" dt="2019-01-27T15:35:32.185" v="233" actId="1076"/>
-          <ac:picMkLst>
-            <pc:docMk/>
-            <pc:sldMk cId="1148044982" sldId="257"/>
-            <ac:picMk id="7" creationId="{8B241B93-3FA4-4105-8179-E8AB9C74E7D1}"/>
-          </ac:picMkLst>
-        </pc:picChg>
-      </pc:sldChg>
-      <pc:sldChg chg="addSp delSp modSp">
-        <pc:chgData name="NaruTo KAZAMAI" userId="017d3e5d8390d408" providerId="LiveId" clId="{FADA14B9-BDE2-48F9-B6B7-107EA1E5ECF2}" dt="2019-01-27T15:36:12.410" v="241" actId="14100"/>
-        <pc:sldMkLst>
-          <pc:docMk/>
-          <pc:sldMk cId="567777914" sldId="259"/>
-        </pc:sldMkLst>
-        <pc:picChg chg="del">
-          <ac:chgData name="NaruTo KAZAMAI" userId="017d3e5d8390d408" providerId="LiveId" clId="{FADA14B9-BDE2-48F9-B6B7-107EA1E5ECF2}" dt="2019-01-27T15:24:41.263" v="226" actId="478"/>
-          <ac:picMkLst>
-            <pc:docMk/>
-            <pc:sldMk cId="567777914" sldId="259"/>
-            <ac:picMk id="4" creationId="{6E099FAF-AE58-495F-AC6E-3369EA55E049}"/>
-          </ac:picMkLst>
-        </pc:picChg>
-        <pc:picChg chg="add mod">
-          <ac:chgData name="NaruTo KAZAMAI" userId="017d3e5d8390d408" providerId="LiveId" clId="{FADA14B9-BDE2-48F9-B6B7-107EA1E5ECF2}" dt="2019-01-27T15:36:02.881" v="239" actId="1076"/>
-          <ac:picMkLst>
-            <pc:docMk/>
-            <pc:sldMk cId="567777914" sldId="259"/>
-            <ac:picMk id="5" creationId="{02F5DAE2-C3E7-434A-820C-F5A3A1BF9556}"/>
-          </ac:picMkLst>
-        </pc:picChg>
-        <pc:picChg chg="add mod">
-          <ac:chgData name="NaruTo KAZAMAI" userId="017d3e5d8390d408" providerId="LiveId" clId="{FADA14B9-BDE2-48F9-B6B7-107EA1E5ECF2}" dt="2019-01-27T15:36:12.410" v="241" actId="14100"/>
-          <ac:picMkLst>
-            <pc:docMk/>
-            <pc:sldMk cId="567777914" sldId="259"/>
-            <ac:picMk id="6" creationId="{213FA9DD-0D8C-4CB7-B54E-01C833662EFE}"/>
-          </ac:picMkLst>
-        </pc:picChg>
-      </pc:sldChg>
-      <pc:sldChg chg="modSp">
-        <pc:chgData name="NaruTo KAZAMAI" userId="017d3e5d8390d408" providerId="LiveId" clId="{FADA14B9-BDE2-48F9-B6B7-107EA1E5ECF2}" dt="2019-01-25T14:57:57.884" v="224"/>
-        <pc:sldMkLst>
-          <pc:docMk/>
-          <pc:sldMk cId="2505162446" sldId="292"/>
-        </pc:sldMkLst>
-        <pc:spChg chg="mod">
-          <ac:chgData name="NaruTo KAZAMAI" userId="017d3e5d8390d408" providerId="LiveId" clId="{FADA14B9-BDE2-48F9-B6B7-107EA1E5ECF2}" dt="2019-01-25T14:57:57.884" v="224"/>
-          <ac:spMkLst>
-            <pc:docMk/>
-            <pc:sldMk cId="2505162446" sldId="292"/>
-            <ac:spMk id="3" creationId="{2DB5CCB0-33DE-437A-8EB3-6155B189EAB1}"/>
-          </ac:spMkLst>
-        </pc:spChg>
-      </pc:sldChg>
-    </pc:docChg>
-  </pc:docChgLst>
-  <pc:docChgLst>
-    <pc:chgData name="NaruTo KAZAMAI" userId="017d3e5d8390d408" providerId="LiveId" clId="{17CB83D7-D60F-42C3-A501-D1CBBA37E256}"/>
-    <pc:docChg chg="undo redo custSel addSld delSld modSld sldOrd">
-      <pc:chgData name="NaruTo KAZAMAI" userId="017d3e5d8390d408" providerId="LiveId" clId="{17CB83D7-D60F-42C3-A501-D1CBBA37E256}" dt="2018-12-24T02:15:44.738" v="2986"/>
-      <pc:docMkLst>
-        <pc:docMk/>
-      </pc:docMkLst>
-      <pc:sldChg chg="modSp">
-        <pc:chgData name="NaruTo KAZAMAI" userId="017d3e5d8390d408" providerId="LiveId" clId="{17CB83D7-D60F-42C3-A501-D1CBBA37E256}" dt="2018-12-24T00:31:47.554" v="2308" actId="1076"/>
-        <pc:sldMkLst>
-          <pc:docMk/>
-          <pc:sldMk cId="1589030896" sldId="261"/>
-        </pc:sldMkLst>
-        <pc:spChg chg="mod">
-          <ac:chgData name="NaruTo KAZAMAI" userId="017d3e5d8390d408" providerId="LiveId" clId="{17CB83D7-D60F-42C3-A501-D1CBBA37E256}" dt="2018-12-24T00:31:46.946" v="2307" actId="1076"/>
-          <ac:spMkLst>
-            <pc:docMk/>
-            <pc:sldMk cId="1589030896" sldId="261"/>
-            <ac:spMk id="3" creationId="{2DB5CCB0-33DE-437A-8EB3-6155B189EAB1}"/>
-          </ac:spMkLst>
-        </pc:spChg>
-        <pc:spChg chg="mod">
-          <ac:chgData name="NaruTo KAZAMAI" userId="017d3e5d8390d408" providerId="LiveId" clId="{17CB83D7-D60F-42C3-A501-D1CBBA37E256}" dt="2018-12-24T00:31:47.554" v="2308" actId="1076"/>
-          <ac:spMkLst>
-            <pc:docMk/>
-            <pc:sldMk cId="1589030896" sldId="261"/>
-            <ac:spMk id="4" creationId="{2D4AC63A-C42B-4822-9CB5-FF92E5169AA2}"/>
-          </ac:spMkLst>
-        </pc:spChg>
-      </pc:sldChg>
-      <pc:sldChg chg="addSp delSp modSp add">
-        <pc:chgData name="NaruTo KAZAMAI" userId="017d3e5d8390d408" providerId="LiveId" clId="{17CB83D7-D60F-42C3-A501-D1CBBA37E256}" dt="2018-12-23T17:20:47.366" v="400" actId="478"/>
-        <pc:sldMkLst>
-          <pc:docMk/>
-          <pc:sldMk cId="3656476374" sldId="269"/>
-        </pc:sldMkLst>
-        <pc:spChg chg="mod">
-          <ac:chgData name="NaruTo KAZAMAI" userId="017d3e5d8390d408" providerId="LiveId" clId="{17CB83D7-D60F-42C3-A501-D1CBBA37E256}" dt="2018-12-23T17:19:50.247" v="393" actId="1076"/>
-          <ac:spMkLst>
-            <pc:docMk/>
-            <pc:sldMk cId="3656476374" sldId="269"/>
-            <ac:spMk id="2" creationId="{250E0D18-7C50-47C5-8B52-C184F1E6E1B6}"/>
-          </ac:spMkLst>
-        </pc:spChg>
-        <pc:spChg chg="mod">
-          <ac:chgData name="NaruTo KAZAMAI" userId="017d3e5d8390d408" providerId="LiveId" clId="{17CB83D7-D60F-42C3-A501-D1CBBA37E256}" dt="2018-12-23T17:16:33.492" v="387" actId="2"/>
-          <ac:spMkLst>
-            <pc:docMk/>
-            <pc:sldMk cId="3656476374" sldId="269"/>
-            <ac:spMk id="3" creationId="{9D9827D7-7161-48B5-9671-2D9199583911}"/>
-          </ac:spMkLst>
-        </pc:spChg>
-        <pc:spChg chg="del mod">
-          <ac:chgData name="NaruTo KAZAMAI" userId="017d3e5d8390d408" providerId="LiveId" clId="{17CB83D7-D60F-42C3-A501-D1CBBA37E256}" dt="2018-12-23T17:16:14.190" v="383"/>
-          <ac:spMkLst>
-            <pc:docMk/>
-            <pc:sldMk cId="3656476374" sldId="269"/>
-            <ac:spMk id="4" creationId="{554E7D1E-9892-4C60-B905-FD6AF1ECAB90}"/>
-          </ac:spMkLst>
-        </pc:spChg>
-        <pc:spChg chg="add del mod">
-          <ac:chgData name="NaruTo KAZAMAI" userId="017d3e5d8390d408" providerId="LiveId" clId="{17CB83D7-D60F-42C3-A501-D1CBBA37E256}" dt="2018-12-23T17:20:47.366" v="400" actId="478"/>
-          <ac:spMkLst>
-            <pc:docMk/>
-            <pc:sldMk cId="3656476374" sldId="269"/>
-            <ac:spMk id="7" creationId="{3778F5E7-0605-4BA7-A66F-573F37BBD674}"/>
-          </ac:spMkLst>
-        </pc:spChg>
-        <pc:picChg chg="add del mod">
-          <ac:chgData name="NaruTo KAZAMAI" userId="017d3e5d8390d408" providerId="LiveId" clId="{17CB83D7-D60F-42C3-A501-D1CBBA37E256}" dt="2018-12-23T17:19:31.882" v="388" actId="478"/>
-          <ac:picMkLst>
-            <pc:docMk/>
-            <pc:sldMk cId="3656476374" sldId="269"/>
-            <ac:picMk id="5" creationId="{9424AF1D-A0F7-4B1A-855A-D68D7808E7A4}"/>
-          </ac:picMkLst>
-        </pc:picChg>
-        <pc:picChg chg="add del mod">
-          <ac:chgData name="NaruTo KAZAMAI" userId="017d3e5d8390d408" providerId="LiveId" clId="{17CB83D7-D60F-42C3-A501-D1CBBA37E256}" dt="2018-12-23T17:20:31.797" v="396" actId="478"/>
-          <ac:picMkLst>
-            <pc:docMk/>
-            <pc:sldMk cId="3656476374" sldId="269"/>
-            <ac:picMk id="8" creationId="{933F57E5-082A-48F0-B394-4B2F4B6F924F}"/>
-          </ac:picMkLst>
-        </pc:picChg>
-        <pc:picChg chg="add mod">
-          <ac:chgData name="NaruTo KAZAMAI" userId="017d3e5d8390d408" providerId="LiveId" clId="{17CB83D7-D60F-42C3-A501-D1CBBA37E256}" dt="2018-12-23T17:20:42.561" v="399" actId="14100"/>
-          <ac:picMkLst>
-            <pc:docMk/>
-            <pc:sldMk cId="3656476374" sldId="269"/>
-            <ac:picMk id="9" creationId="{9551254B-7247-4D94-B70C-CFACE4F2C998}"/>
-          </ac:picMkLst>
-        </pc:picChg>
-      </pc:sldChg>
-      <pc:sldChg chg="addSp delSp modSp add">
-        <pc:chgData name="NaruTo KAZAMAI" userId="017d3e5d8390d408" providerId="LiveId" clId="{17CB83D7-D60F-42C3-A501-D1CBBA37E256}" dt="2018-12-23T18:10:30.647" v="1032" actId="692"/>
-        <pc:sldMkLst>
-          <pc:docMk/>
-          <pc:sldMk cId="1502882784" sldId="270"/>
-        </pc:sldMkLst>
-        <pc:spChg chg="mod">
-          <ac:chgData name="NaruTo KAZAMAI" userId="017d3e5d8390d408" providerId="LiveId" clId="{17CB83D7-D60F-42C3-A501-D1CBBA37E256}" dt="2018-12-23T17:42:50.657" v="843"/>
-          <ac:spMkLst>
-            <pc:docMk/>
-            <pc:sldMk cId="1502882784" sldId="270"/>
-            <ac:spMk id="2" creationId="{1DD937B2-8919-46AC-9A61-0352C75D4ED3}"/>
-          </ac:spMkLst>
-        </pc:spChg>
-        <pc:spChg chg="mod">
-          <ac:chgData name="NaruTo KAZAMAI" userId="017d3e5d8390d408" providerId="LiveId" clId="{17CB83D7-D60F-42C3-A501-D1CBBA37E256}" dt="2018-12-23T17:52:30.367" v="1020"/>
-          <ac:spMkLst>
-            <pc:docMk/>
-            <pc:sldMk cId="1502882784" sldId="270"/>
-            <ac:spMk id="3" creationId="{9AE56EB6-8195-4322-B605-6C9B5A4A2A45}"/>
-          </ac:spMkLst>
-        </pc:spChg>
-        <pc:spChg chg="del mod">
-          <ac:chgData name="NaruTo KAZAMAI" userId="017d3e5d8390d408" providerId="LiveId" clId="{17CB83D7-D60F-42C3-A501-D1CBBA37E256}" dt="2018-12-23T18:05:38.188" v="1021"/>
-          <ac:spMkLst>
-            <pc:docMk/>
-            <pc:sldMk cId="1502882784" sldId="270"/>
-            <ac:spMk id="4" creationId="{FB93D2BA-7A12-42A8-9621-5E541519BD85}"/>
-          </ac:spMkLst>
-        </pc:spChg>
-        <pc:spChg chg="add del mod">
-          <ac:chgData name="NaruTo KAZAMAI" userId="017d3e5d8390d408" providerId="LiveId" clId="{17CB83D7-D60F-42C3-A501-D1CBBA37E256}" dt="2018-12-23T18:07:54.469" v="1026" actId="478"/>
-          <ac:spMkLst>
-            <pc:docMk/>
-            <pc:sldMk cId="1502882784" sldId="270"/>
-            <ac:spMk id="7" creationId="{F4C68EC0-A1D0-4482-8659-C743C61DC751}"/>
-          </ac:spMkLst>
-        </pc:spChg>
-        <pc:picChg chg="add del mod">
-          <ac:chgData name="NaruTo KAZAMAI" userId="017d3e5d8390d408" providerId="LiveId" clId="{17CB83D7-D60F-42C3-A501-D1CBBA37E256}" dt="2018-12-23T18:07:41.426" v="1022" actId="478"/>
-          <ac:picMkLst>
-            <pc:docMk/>
-            <pc:sldMk cId="1502882784" sldId="270"/>
-            <ac:picMk id="5" creationId="{AA9D8E60-06A1-4537-B5BD-80D25C7C4897}"/>
-          </ac:picMkLst>
-        </pc:picChg>
-        <pc:picChg chg="add mod">
-          <ac:chgData name="NaruTo KAZAMAI" userId="017d3e5d8390d408" providerId="LiveId" clId="{17CB83D7-D60F-42C3-A501-D1CBBA37E256}" dt="2018-12-23T18:08:34.398" v="1028" actId="692"/>
-          <ac:picMkLst>
-            <pc:docMk/>
-            <pc:sldMk cId="1502882784" sldId="270"/>
-            <ac:picMk id="8" creationId="{032F92D5-9B67-47C2-BA74-111CE78C05D3}"/>
-          </ac:picMkLst>
-        </pc:picChg>
-        <pc:picChg chg="add mod">
-          <ac:chgData name="NaruTo KAZAMAI" userId="017d3e5d8390d408" providerId="LiveId" clId="{17CB83D7-D60F-42C3-A501-D1CBBA37E256}" dt="2018-12-23T18:10:30.647" v="1032" actId="692"/>
-          <ac:picMkLst>
-            <pc:docMk/>
-            <pc:sldMk cId="1502882784" sldId="270"/>
-            <ac:picMk id="9" creationId="{CE64516A-0988-48C6-8DF5-E4A19BDFFB0C}"/>
-          </ac:picMkLst>
-        </pc:picChg>
-      </pc:sldChg>
-      <pc:sldChg chg="addSp delSp modSp add">
-        <pc:chgData name="NaruTo KAZAMAI" userId="017d3e5d8390d408" providerId="LiveId" clId="{17CB83D7-D60F-42C3-A501-D1CBBA37E256}" dt="2018-12-23T18:51:43.859" v="1417" actId="1076"/>
-        <pc:sldMkLst>
-          <pc:docMk/>
-          <pc:sldMk cId="866001438" sldId="272"/>
-        </pc:sldMkLst>
-        <pc:spChg chg="mod">
-          <ac:chgData name="NaruTo KAZAMAI" userId="017d3e5d8390d408" providerId="LiveId" clId="{17CB83D7-D60F-42C3-A501-D1CBBA37E256}" dt="2018-12-23T18:51:43.859" v="1417" actId="1076"/>
-          <ac:spMkLst>
-            <pc:docMk/>
-            <pc:sldMk cId="866001438" sldId="272"/>
-            <ac:spMk id="2" creationId="{1F4E384F-DCC4-4DAD-8D61-472D7F0E0DCB}"/>
-          </ac:spMkLst>
-        </pc:spChg>
-        <pc:spChg chg="mod">
-          <ac:chgData name="NaruTo KAZAMAI" userId="017d3e5d8390d408" providerId="LiveId" clId="{17CB83D7-D60F-42C3-A501-D1CBBA37E256}" dt="2018-12-23T18:46:17.100" v="1410" actId="20577"/>
-          <ac:spMkLst>
-            <pc:docMk/>
-            <pc:sldMk cId="866001438" sldId="272"/>
-            <ac:spMk id="3" creationId="{5CEFF518-4CF9-40FF-B4F2-D28BCC2A28DE}"/>
-          </ac:spMkLst>
-        </pc:spChg>
-        <pc:spChg chg="del">
-          <ac:chgData name="NaruTo KAZAMAI" userId="017d3e5d8390d408" providerId="LiveId" clId="{17CB83D7-D60F-42C3-A501-D1CBBA37E256}" dt="2018-12-23T18:49:31.101" v="1411"/>
-          <ac:spMkLst>
-            <pc:docMk/>
-            <pc:sldMk cId="866001438" sldId="272"/>
-            <ac:spMk id="4" creationId="{3BAD529B-3BC1-4BD4-8998-7B8FD789DCC4}"/>
-          </ac:spMkLst>
-        </pc:spChg>
-        <pc:picChg chg="add mod">
-          <ac:chgData name="NaruTo KAZAMAI" userId="017d3e5d8390d408" providerId="LiveId" clId="{17CB83D7-D60F-42C3-A501-D1CBBA37E256}" dt="2018-12-23T18:49:48.642" v="1415" actId="14100"/>
-          <ac:picMkLst>
-            <pc:docMk/>
-            <pc:sldMk cId="866001438" sldId="272"/>
-            <ac:picMk id="5" creationId="{E4D34EE3-18CD-49BB-A7C0-9182AB07925D}"/>
-          </ac:picMkLst>
-        </pc:picChg>
-      </pc:sldChg>
-      <pc:sldChg chg="addSp delSp modSp add">
-        <pc:chgData name="NaruTo KAZAMAI" userId="017d3e5d8390d408" providerId="LiveId" clId="{17CB83D7-D60F-42C3-A501-D1CBBA37E256}" dt="2018-12-24T00:34:30.710" v="2327" actId="20577"/>
-        <pc:sldMkLst>
-          <pc:docMk/>
-          <pc:sldMk cId="846148452" sldId="275"/>
-        </pc:sldMkLst>
-        <pc:spChg chg="mod">
-          <ac:chgData name="NaruTo KAZAMAI" userId="017d3e5d8390d408" providerId="LiveId" clId="{17CB83D7-D60F-42C3-A501-D1CBBA37E256}" dt="2018-12-23T18:56:17.422" v="1505"/>
-          <ac:spMkLst>
-            <pc:docMk/>
-            <pc:sldMk cId="846148452" sldId="275"/>
-            <ac:spMk id="2" creationId="{0F9475F4-D2DD-4023-A74C-325AAD71A6F7}"/>
-          </ac:spMkLst>
-        </pc:spChg>
-        <pc:spChg chg="mod">
-          <ac:chgData name="NaruTo KAZAMAI" userId="017d3e5d8390d408" providerId="LiveId" clId="{17CB83D7-D60F-42C3-A501-D1CBBA37E256}" dt="2018-12-24T00:34:30.710" v="2327" actId="20577"/>
-          <ac:spMkLst>
-            <pc:docMk/>
-            <pc:sldMk cId="846148452" sldId="275"/>
-            <ac:spMk id="3" creationId="{4A78F4E3-83D1-4A0B-9F73-A8B4DF3BFE63}"/>
-          </ac:spMkLst>
-        </pc:spChg>
-        <pc:spChg chg="del mod">
-          <ac:chgData name="NaruTo KAZAMAI" userId="017d3e5d8390d408" providerId="LiveId" clId="{17CB83D7-D60F-42C3-A501-D1CBBA37E256}" dt="2018-12-23T19:07:27.608" v="1674"/>
-          <ac:spMkLst>
-            <pc:docMk/>
-            <pc:sldMk cId="846148452" sldId="275"/>
-            <ac:spMk id="4" creationId="{E552193C-EA4F-46FF-820F-3EE9B834759F}"/>
-          </ac:spMkLst>
-        </pc:spChg>
-        <pc:picChg chg="add mod">
-          <ac:chgData name="NaruTo KAZAMAI" userId="017d3e5d8390d408" providerId="LiveId" clId="{17CB83D7-D60F-42C3-A501-D1CBBA37E256}" dt="2018-12-23T19:07:39.343" v="1676" actId="1076"/>
-          <ac:picMkLst>
-            <pc:docMk/>
-            <pc:sldMk cId="846148452" sldId="275"/>
-            <ac:picMk id="5" creationId="{67671745-267D-4471-A9D7-165DD517FFF4}"/>
-          </ac:picMkLst>
-        </pc:picChg>
-      </pc:sldChg>
-      <pc:sldChg chg="addSp delSp modSp add">
-        <pc:chgData name="NaruTo KAZAMAI" userId="017d3e5d8390d408" providerId="LiveId" clId="{17CB83D7-D60F-42C3-A501-D1CBBA37E256}" dt="2018-12-24T00:41:23.688" v="2581" actId="14100"/>
-        <pc:sldMkLst>
-          <pc:docMk/>
-          <pc:sldMk cId="3738879408" sldId="281"/>
-        </pc:sldMkLst>
-        <pc:spChg chg="mod">
-          <ac:chgData name="NaruTo KAZAMAI" userId="017d3e5d8390d408" providerId="LiveId" clId="{17CB83D7-D60F-42C3-A501-D1CBBA37E256}" dt="2018-12-23T19:59:18.660" v="2086"/>
-          <ac:spMkLst>
-            <pc:docMk/>
-            <pc:sldMk cId="3738879408" sldId="281"/>
-            <ac:spMk id="2" creationId="{0EE785E9-BBFC-4BB5-92F3-0353DEE90B5D}"/>
-          </ac:spMkLst>
-        </pc:spChg>
-        <pc:spChg chg="mod">
-          <ac:chgData name="NaruTo KAZAMAI" userId="017d3e5d8390d408" providerId="LiveId" clId="{17CB83D7-D60F-42C3-A501-D1CBBA37E256}" dt="2018-12-23T20:05:19.768" v="2136" actId="14100"/>
-          <ac:spMkLst>
-            <pc:docMk/>
-            <pc:sldMk cId="3738879408" sldId="281"/>
-            <ac:spMk id="3" creationId="{9DB43AAE-E9DE-4576-A296-331337F3E0E1}"/>
-          </ac:spMkLst>
-        </pc:spChg>
-        <pc:spChg chg="del">
-          <ac:chgData name="NaruTo KAZAMAI" userId="017d3e5d8390d408" providerId="LiveId" clId="{17CB83D7-D60F-42C3-A501-D1CBBA37E256}" dt="2018-12-23T20:05:13.348" v="2135" actId="478"/>
-          <ac:spMkLst>
-            <pc:docMk/>
-            <pc:sldMk cId="3738879408" sldId="281"/>
-            <ac:spMk id="4" creationId="{B2C1D50F-53B1-4CAD-BAD2-A1C27795EDC6}"/>
-          </ac:spMkLst>
-        </pc:spChg>
-        <pc:picChg chg="add del mod">
-          <ac:chgData name="NaruTo KAZAMAI" userId="017d3e5d8390d408" providerId="LiveId" clId="{17CB83D7-D60F-42C3-A501-D1CBBA37E256}" dt="2018-12-24T00:41:16.271" v="2578" actId="478"/>
-          <ac:picMkLst>
-            <pc:docMk/>
-            <pc:sldMk cId="3738879408" sldId="281"/>
-            <ac:picMk id="5" creationId="{64A2EEC8-66C0-49F0-BA28-C4E6CA42216B}"/>
-          </ac:picMkLst>
-        </pc:picChg>
-        <pc:picChg chg="add mod">
-          <ac:chgData name="NaruTo KAZAMAI" userId="017d3e5d8390d408" providerId="LiveId" clId="{17CB83D7-D60F-42C3-A501-D1CBBA37E256}" dt="2018-12-24T00:41:23.688" v="2581" actId="14100"/>
-          <ac:picMkLst>
-            <pc:docMk/>
-            <pc:sldMk cId="3738879408" sldId="281"/>
-            <ac:picMk id="6" creationId="{269C7BFE-F66E-4E29-B839-6CE1A2DF6E69}"/>
-          </ac:picMkLst>
-        </pc:picChg>
-      </pc:sldChg>
-      <pc:sldChg chg="addSp delSp modSp add">
-        <pc:chgData name="NaruTo KAZAMAI" userId="017d3e5d8390d408" providerId="LiveId" clId="{17CB83D7-D60F-42C3-A501-D1CBBA37E256}" dt="2018-12-23T20:17:04.139" v="2233" actId="14100"/>
-        <pc:sldMkLst>
-          <pc:docMk/>
-          <pc:sldMk cId="4217552854" sldId="283"/>
-        </pc:sldMkLst>
-        <pc:spChg chg="mod">
-          <ac:chgData name="NaruTo KAZAMAI" userId="017d3e5d8390d408" providerId="LiveId" clId="{17CB83D7-D60F-42C3-A501-D1CBBA37E256}" dt="2018-12-23T20:13:32.283" v="2179" actId="20577"/>
-          <ac:spMkLst>
-            <pc:docMk/>
-            <pc:sldMk cId="4217552854" sldId="283"/>
-            <ac:spMk id="2" creationId="{51D4FB85-9232-4E0B-AAE2-AB4B9FDA46A8}"/>
-          </ac:spMkLst>
-        </pc:spChg>
-        <pc:spChg chg="mod">
-          <ac:chgData name="NaruTo KAZAMAI" userId="017d3e5d8390d408" providerId="LiveId" clId="{17CB83D7-D60F-42C3-A501-D1CBBA37E256}" dt="2018-12-23T20:13:56.289" v="2221"/>
-          <ac:spMkLst>
-            <pc:docMk/>
-            <pc:sldMk cId="4217552854" sldId="283"/>
-            <ac:spMk id="3" creationId="{A0D9C5A8-3E74-4116-93B4-D902F4677ED6}"/>
-          </ac:spMkLst>
-        </pc:spChg>
-        <pc:spChg chg="del mod">
-          <ac:chgData name="NaruTo KAZAMAI" userId="017d3e5d8390d408" providerId="LiveId" clId="{17CB83D7-D60F-42C3-A501-D1CBBA37E256}" dt="2018-12-23T20:14:49.099" v="2224" actId="478"/>
-          <ac:spMkLst>
-            <pc:docMk/>
-            <pc:sldMk cId="4217552854" sldId="283"/>
-            <ac:spMk id="4" creationId="{8AB16FD2-D260-4CF6-910B-E7BE0EE7689E}"/>
-          </ac:spMkLst>
-        </pc:spChg>
-        <pc:spChg chg="add del mod">
-          <ac:chgData name="NaruTo KAZAMAI" userId="017d3e5d8390d408" providerId="LiveId" clId="{17CB83D7-D60F-42C3-A501-D1CBBA37E256}" dt="2018-12-23T20:14:56.539" v="2225" actId="478"/>
-          <ac:spMkLst>
-            <pc:docMk/>
-            <pc:sldMk cId="4217552854" sldId="283"/>
-            <ac:spMk id="6" creationId="{3C217477-7759-4DC9-AB60-97B2713225AE}"/>
-          </ac:spMkLst>
-        </pc:spChg>
-        <pc:spChg chg="add del mod">
-          <ac:chgData name="NaruTo KAZAMAI" userId="017d3e5d8390d408" providerId="LiveId" clId="{17CB83D7-D60F-42C3-A501-D1CBBA37E256}" dt="2018-12-23T20:16:50.793" v="2229" actId="478"/>
-          <ac:spMkLst>
-            <pc:docMk/>
-            <pc:sldMk cId="4217552854" sldId="283"/>
-            <ac:spMk id="7" creationId="{DD4E9084-F12A-435D-AC6D-8E15ECE1469C}"/>
-          </ac:spMkLst>
-        </pc:spChg>
-        <pc:picChg chg="add mod">
-          <ac:chgData name="NaruTo KAZAMAI" userId="017d3e5d8390d408" providerId="LiveId" clId="{17CB83D7-D60F-42C3-A501-D1CBBA37E256}" dt="2018-12-23T20:17:04.139" v="2233" actId="14100"/>
-          <ac:picMkLst>
-            <pc:docMk/>
-            <pc:sldMk cId="4217552854" sldId="283"/>
-            <ac:picMk id="8" creationId="{B110F584-0A3D-41F4-86B4-A17D8293CC31}"/>
-          </ac:picMkLst>
-        </pc:picChg>
-      </pc:sldChg>
-      <pc:sldChg chg="addSp modSp add">
-        <pc:chgData name="NaruTo KAZAMAI" userId="017d3e5d8390d408" providerId="LiveId" clId="{17CB83D7-D60F-42C3-A501-D1CBBA37E256}" dt="2018-12-24T00:43:59.633" v="2588" actId="692"/>
-        <pc:sldMkLst>
-          <pc:docMk/>
-          <pc:sldMk cId="1051858913" sldId="286"/>
-        </pc:sldMkLst>
-        <pc:spChg chg="mod">
-          <ac:chgData name="NaruTo KAZAMAI" userId="017d3e5d8390d408" providerId="LiveId" clId="{17CB83D7-D60F-42C3-A501-D1CBBA37E256}" dt="2018-12-23T20:18:18.739" v="2265"/>
-          <ac:spMkLst>
-            <pc:docMk/>
-            <pc:sldMk cId="1051858913" sldId="286"/>
-            <ac:spMk id="2" creationId="{1257D350-3005-4774-B403-19A72E99F7F7}"/>
-          </ac:spMkLst>
-        </pc:spChg>
-        <pc:spChg chg="add mod">
-          <ac:chgData name="NaruTo KAZAMAI" userId="017d3e5d8390d408" providerId="LiveId" clId="{17CB83D7-D60F-42C3-A501-D1CBBA37E256}" dt="2018-12-24T00:41:43.255" v="2582" actId="1076"/>
-          <ac:spMkLst>
-            <pc:docMk/>
-            <pc:sldMk cId="1051858913" sldId="286"/>
-            <ac:spMk id="3" creationId="{6A65EC6A-A8CC-4CBD-8338-585A9110C7EA}"/>
-          </ac:spMkLst>
-        </pc:spChg>
-        <pc:picChg chg="add mod">
-          <ac:chgData name="NaruTo KAZAMAI" userId="017d3e5d8390d408" providerId="LiveId" clId="{17CB83D7-D60F-42C3-A501-D1CBBA37E256}" dt="2018-12-24T00:43:56.726" v="2587" actId="692"/>
-          <ac:picMkLst>
-            <pc:docMk/>
-            <pc:sldMk cId="1051858913" sldId="286"/>
-            <ac:picMk id="4" creationId="{98900DF2-1143-49AA-91F1-FBA473C1C7D2}"/>
-          </ac:picMkLst>
-        </pc:picChg>
-        <pc:picChg chg="add mod">
-          <ac:chgData name="NaruTo KAZAMAI" userId="017d3e5d8390d408" providerId="LiveId" clId="{17CB83D7-D60F-42C3-A501-D1CBBA37E256}" dt="2018-12-24T00:43:59.633" v="2588" actId="692"/>
-          <ac:picMkLst>
-            <pc:docMk/>
-            <pc:sldMk cId="1051858913" sldId="286"/>
-            <ac:picMk id="5" creationId="{7EC63F49-4B2D-420B-B015-97BF1C5897F9}"/>
-          </ac:picMkLst>
-        </pc:picChg>
-      </pc:sldChg>
-      <pc:sldChg chg="modSp add">
-        <pc:chgData name="NaruTo KAZAMAI" userId="017d3e5d8390d408" providerId="LiveId" clId="{17CB83D7-D60F-42C3-A501-D1CBBA37E256}" dt="2018-12-24T02:15:44.738" v="2986"/>
-        <pc:sldMkLst>
-          <pc:docMk/>
-          <pc:sldMk cId="3117953007" sldId="289"/>
-        </pc:sldMkLst>
-        <pc:spChg chg="mod">
-          <ac:chgData name="NaruTo KAZAMAI" userId="017d3e5d8390d408" providerId="LiveId" clId="{17CB83D7-D60F-42C3-A501-D1CBBA37E256}" dt="2018-12-24T00:45:31.307" v="2631"/>
-          <ac:spMkLst>
-            <pc:docMk/>
-            <pc:sldMk cId="3117953007" sldId="289"/>
-            <ac:spMk id="2" creationId="{D4AFC88A-FADB-4B12-B1AA-E9E5F6C5FD08}"/>
-          </ac:spMkLst>
-        </pc:spChg>
-        <pc:spChg chg="mod">
-          <ac:chgData name="NaruTo KAZAMAI" userId="017d3e5d8390d408" providerId="LiveId" clId="{17CB83D7-D60F-42C3-A501-D1CBBA37E256}" dt="2018-12-24T02:15:44.738" v="2986"/>
-          <ac:spMkLst>
-            <pc:docMk/>
-            <pc:sldMk cId="3117953007" sldId="289"/>
-            <ac:spMk id="3" creationId="{B46A4162-BE54-4F6A-9DD7-C9A9C68FF7BB}"/>
-          </ac:spMkLst>
-        </pc:spChg>
-      </pc:sldChg>
-    </pc:docChg>
-  </pc:docChgLst>
-  <pc:docChgLst>
-    <pc:chgData name="NaruTo KAZAMAI" userId="017d3e5d8390d408" providerId="LiveId" clId="{3DC90CA9-2A43-4B3E-8588-2174CA0E05D2}"/>
-    <pc:docChg chg="undo custSel addSld delSld modSld sldOrd">
-      <pc:chgData name="NaruTo KAZAMAI" userId="017d3e5d8390d408" providerId="LiveId" clId="{3DC90CA9-2A43-4B3E-8588-2174CA0E05D2}" dt="2019-01-02T16:34:07.130" v="813"/>
-      <pc:docMkLst>
-        <pc:docMk/>
-      </pc:docMkLst>
-      <pc:sldChg chg="modSp">
-        <pc:chgData name="NaruTo KAZAMAI" userId="017d3e5d8390d408" providerId="LiveId" clId="{3DC90CA9-2A43-4B3E-8588-2174CA0E05D2}" dt="2018-12-30T07:37:36.241" v="675" actId="20577"/>
-        <pc:sldMkLst>
-          <pc:docMk/>
-          <pc:sldMk cId="1148044982" sldId="257"/>
-        </pc:sldMkLst>
-        <pc:spChg chg="mod">
-          <ac:chgData name="NaruTo KAZAMAI" userId="017d3e5d8390d408" providerId="LiveId" clId="{3DC90CA9-2A43-4B3E-8588-2174CA0E05D2}" dt="2018-12-30T07:37:36.241" v="675" actId="20577"/>
-          <ac:spMkLst>
-            <pc:docMk/>
-            <pc:sldMk cId="1148044982" sldId="257"/>
-            <ac:spMk id="3" creationId="{3AA84E3C-FEDD-4A6F-9385-9CE7F9C5B6F9}"/>
-          </ac:spMkLst>
-        </pc:spChg>
-      </pc:sldChg>
-      <pc:sldChg chg="modSp">
-        <pc:chgData name="NaruTo KAZAMAI" userId="017d3e5d8390d408" providerId="LiveId" clId="{3DC90CA9-2A43-4B3E-8588-2174CA0E05D2}" dt="2018-12-30T07:36:26.866" v="669" actId="20577"/>
-        <pc:sldMkLst>
-          <pc:docMk/>
-          <pc:sldMk cId="1022553816" sldId="258"/>
-        </pc:sldMkLst>
-        <pc:spChg chg="mod">
-          <ac:chgData name="NaruTo KAZAMAI" userId="017d3e5d8390d408" providerId="LiveId" clId="{3DC90CA9-2A43-4B3E-8588-2174CA0E05D2}" dt="2018-12-30T07:36:26.866" v="669" actId="20577"/>
-          <ac:spMkLst>
-            <pc:docMk/>
-            <pc:sldMk cId="1022553816" sldId="258"/>
-            <ac:spMk id="3" creationId="{3C8F7DC5-4491-4A73-B45D-F7942D0196D1}"/>
-          </ac:spMkLst>
-        </pc:spChg>
-      </pc:sldChg>
-      <pc:sldChg chg="addSp delSp modSp ord">
-        <pc:chgData name="NaruTo KAZAMAI" userId="017d3e5d8390d408" providerId="LiveId" clId="{3DC90CA9-2A43-4B3E-8588-2174CA0E05D2}" dt="2019-01-02T16:09:19.114" v="709" actId="6549"/>
-        <pc:sldMkLst>
-          <pc:docMk/>
-          <pc:sldMk cId="1589030896" sldId="261"/>
-        </pc:sldMkLst>
-        <pc:spChg chg="mod">
-          <ac:chgData name="NaruTo KAZAMAI" userId="017d3e5d8390d408" providerId="LiveId" clId="{3DC90CA9-2A43-4B3E-8588-2174CA0E05D2}" dt="2019-01-02T16:07:42.058" v="697"/>
-          <ac:spMkLst>
-            <pc:docMk/>
-            <pc:sldMk cId="1589030896" sldId="261"/>
-            <ac:spMk id="2" creationId="{5FDFD6C0-93A5-4033-9CA9-E519553FBDFE}"/>
-          </ac:spMkLst>
-        </pc:spChg>
-        <pc:spChg chg="mod">
-          <ac:chgData name="NaruTo KAZAMAI" userId="017d3e5d8390d408" providerId="LiveId" clId="{3DC90CA9-2A43-4B3E-8588-2174CA0E05D2}" dt="2019-01-02T16:09:19.114" v="709" actId="6549"/>
-          <ac:spMkLst>
-            <pc:docMk/>
-            <pc:sldMk cId="1589030896" sldId="261"/>
-            <ac:spMk id="3" creationId="{2DB5CCB0-33DE-437A-8EB3-6155B189EAB1}"/>
-          </ac:spMkLst>
-        </pc:spChg>
-        <pc:spChg chg="del mod">
-          <ac:chgData name="NaruTo KAZAMAI" userId="017d3e5d8390d408" providerId="LiveId" clId="{3DC90CA9-2A43-4B3E-8588-2174CA0E05D2}" dt="2019-01-02T16:07:57.149" v="698" actId="478"/>
-          <ac:spMkLst>
-            <pc:docMk/>
-            <pc:sldMk cId="1589030896" sldId="261"/>
-            <ac:spMk id="4" creationId="{2D4AC63A-C42B-4822-9CB5-FF92E5169AA2}"/>
-          </ac:spMkLst>
-        </pc:spChg>
-        <pc:spChg chg="add del mod">
-          <ac:chgData name="NaruTo KAZAMAI" userId="017d3e5d8390d408" providerId="LiveId" clId="{3DC90CA9-2A43-4B3E-8588-2174CA0E05D2}" dt="2019-01-02T16:08:50.793" v="703" actId="478"/>
-          <ac:spMkLst>
-            <pc:docMk/>
-            <pc:sldMk cId="1589030896" sldId="261"/>
-            <ac:spMk id="7" creationId="{22AEDA4B-2AA9-42D9-873E-6C68EE1D6A19}"/>
-          </ac:spMkLst>
-        </pc:spChg>
-        <pc:picChg chg="del mod">
-          <ac:chgData name="NaruTo KAZAMAI" userId="017d3e5d8390d408" providerId="LiveId" clId="{3DC90CA9-2A43-4B3E-8588-2174CA0E05D2}" dt="2019-01-02T16:07:58.586" v="699" actId="478"/>
-          <ac:picMkLst>
-            <pc:docMk/>
-            <pc:sldMk cId="1589030896" sldId="261"/>
-            <ac:picMk id="6" creationId="{1004D335-3685-4C20-91E6-61190E93B3C6}"/>
-          </ac:picMkLst>
-        </pc:picChg>
-        <pc:picChg chg="del mod">
-          <ac:chgData name="NaruTo KAZAMAI" userId="017d3e5d8390d408" providerId="LiveId" clId="{3DC90CA9-2A43-4B3E-8588-2174CA0E05D2}" dt="2019-01-02T16:07:59.695" v="700" actId="478"/>
-          <ac:picMkLst>
-            <pc:docMk/>
-            <pc:sldMk cId="1589030896" sldId="261"/>
-            <ac:picMk id="9" creationId="{33BDD9D1-186F-478A-8BBA-7F0A4B439C09}"/>
-          </ac:picMkLst>
-        </pc:picChg>
-        <pc:picChg chg="add">
-          <ac:chgData name="NaruTo KAZAMAI" userId="017d3e5d8390d408" providerId="LiveId" clId="{3DC90CA9-2A43-4B3E-8588-2174CA0E05D2}" dt="2019-01-02T16:08:27.517" v="701"/>
-          <ac:picMkLst>
-            <pc:docMk/>
-            <pc:sldMk cId="1589030896" sldId="261"/>
-            <ac:picMk id="10" creationId="{7314531C-C196-4512-AB4B-4C78FED5DDF2}"/>
-          </ac:picMkLst>
-        </pc:picChg>
-      </pc:sldChg>
-      <pc:sldChg chg="modSp">
-        <pc:chgData name="NaruTo KAZAMAI" userId="017d3e5d8390d408" providerId="LiveId" clId="{3DC90CA9-2A43-4B3E-8588-2174CA0E05D2}" dt="2018-12-28T01:44:54.976" v="292"/>
-        <pc:sldMkLst>
-          <pc:docMk/>
-          <pc:sldMk cId="1334848250" sldId="262"/>
-        </pc:sldMkLst>
-        <pc:spChg chg="mod">
-          <ac:chgData name="NaruTo KAZAMAI" userId="017d3e5d8390d408" providerId="LiveId" clId="{3DC90CA9-2A43-4B3E-8588-2174CA0E05D2}" dt="2018-12-28T01:44:54.976" v="292"/>
-          <ac:spMkLst>
-            <pc:docMk/>
-            <pc:sldMk cId="1334848250" sldId="262"/>
-            <ac:spMk id="2" creationId="{3FF227B7-64F6-4408-9652-4ECDCAC8963C}"/>
-          </ac:spMkLst>
-        </pc:spChg>
-      </pc:sldChg>
-      <pc:sldChg chg="modSp">
-        <pc:chgData name="NaruTo KAZAMAI" userId="017d3e5d8390d408" providerId="LiveId" clId="{3DC90CA9-2A43-4B3E-8588-2174CA0E05D2}" dt="2019-01-02T16:09:53.966" v="723"/>
-        <pc:sldMkLst>
-          <pc:docMk/>
-          <pc:sldMk cId="3656476374" sldId="269"/>
-        </pc:sldMkLst>
-        <pc:spChg chg="mod">
-          <ac:chgData name="NaruTo KAZAMAI" userId="017d3e5d8390d408" providerId="LiveId" clId="{3DC90CA9-2A43-4B3E-8588-2174CA0E05D2}" dt="2019-01-02T16:09:53.966" v="723"/>
-          <ac:spMkLst>
-            <pc:docMk/>
-            <pc:sldMk cId="3656476374" sldId="269"/>
-            <ac:spMk id="2" creationId="{250E0D18-7C50-47C5-8B52-C184F1E6E1B6}"/>
-          </ac:spMkLst>
-        </pc:spChg>
-      </pc:sldChg>
-      <pc:sldChg chg="modSp">
-        <pc:chgData name="NaruTo KAZAMAI" userId="017d3e5d8390d408" providerId="LiveId" clId="{3DC90CA9-2A43-4B3E-8588-2174CA0E05D2}" dt="2019-01-02T16:14:04.373" v="738" actId="20577"/>
-        <pc:sldMkLst>
-          <pc:docMk/>
-          <pc:sldMk cId="1502882784" sldId="270"/>
-        </pc:sldMkLst>
-        <pc:spChg chg="mod">
-          <ac:chgData name="NaruTo KAZAMAI" userId="017d3e5d8390d408" providerId="LiveId" clId="{3DC90CA9-2A43-4B3E-8588-2174CA0E05D2}" dt="2019-01-02T16:14:04.373" v="738" actId="20577"/>
-          <ac:spMkLst>
-            <pc:docMk/>
-            <pc:sldMk cId="1502882784" sldId="270"/>
-            <ac:spMk id="2" creationId="{1DD937B2-8919-46AC-9A61-0352C75D4ED3}"/>
-          </ac:spMkLst>
-        </pc:spChg>
-      </pc:sldChg>
-      <pc:sldChg chg="modSp">
-        <pc:chgData name="NaruTo KAZAMAI" userId="017d3e5d8390d408" providerId="LiveId" clId="{3DC90CA9-2A43-4B3E-8588-2174CA0E05D2}" dt="2019-01-02T16:14:08.440" v="740" actId="20577"/>
-        <pc:sldMkLst>
-          <pc:docMk/>
-          <pc:sldMk cId="866001438" sldId="272"/>
-        </pc:sldMkLst>
-        <pc:spChg chg="mod">
-          <ac:chgData name="NaruTo KAZAMAI" userId="017d3e5d8390d408" providerId="LiveId" clId="{3DC90CA9-2A43-4B3E-8588-2174CA0E05D2}" dt="2019-01-02T16:14:08.440" v="740" actId="20577"/>
-          <ac:spMkLst>
-            <pc:docMk/>
-            <pc:sldMk cId="866001438" sldId="272"/>
-            <ac:spMk id="2" creationId="{1F4E384F-DCC4-4DAD-8D61-472D7F0E0DCB}"/>
-          </ac:spMkLst>
-        </pc:spChg>
-      </pc:sldChg>
-      <pc:sldChg chg="modSp ord">
-        <pc:chgData name="NaruTo KAZAMAI" userId="017d3e5d8390d408" providerId="LiveId" clId="{3DC90CA9-2A43-4B3E-8588-2174CA0E05D2}" dt="2019-01-02T16:14:17.360" v="742" actId="20577"/>
-        <pc:sldMkLst>
-          <pc:docMk/>
-          <pc:sldMk cId="846148452" sldId="275"/>
-        </pc:sldMkLst>
-        <pc:spChg chg="mod">
-          <ac:chgData name="NaruTo KAZAMAI" userId="017d3e5d8390d408" providerId="LiveId" clId="{3DC90CA9-2A43-4B3E-8588-2174CA0E05D2}" dt="2019-01-02T16:14:17.360" v="742" actId="20577"/>
-          <ac:spMkLst>
-            <pc:docMk/>
-            <pc:sldMk cId="846148452" sldId="275"/>
-            <ac:spMk id="2" creationId="{0F9475F4-D2DD-4023-A74C-325AAD71A6F7}"/>
-          </ac:spMkLst>
-        </pc:spChg>
-      </pc:sldChg>
-      <pc:sldChg chg="modSp">
-        <pc:chgData name="NaruTo KAZAMAI" userId="017d3e5d8390d408" providerId="LiveId" clId="{3DC90CA9-2A43-4B3E-8588-2174CA0E05D2}" dt="2019-01-02T16:15:35.366" v="746" actId="20577"/>
-        <pc:sldMkLst>
-          <pc:docMk/>
-          <pc:sldMk cId="3738879408" sldId="281"/>
-        </pc:sldMkLst>
-        <pc:spChg chg="mod">
-          <ac:chgData name="NaruTo KAZAMAI" userId="017d3e5d8390d408" providerId="LiveId" clId="{3DC90CA9-2A43-4B3E-8588-2174CA0E05D2}" dt="2019-01-02T16:15:35.366" v="746" actId="20577"/>
-          <ac:spMkLst>
-            <pc:docMk/>
-            <pc:sldMk cId="3738879408" sldId="281"/>
-            <ac:spMk id="2" creationId="{0EE785E9-BBFC-4BB5-92F3-0353DEE90B5D}"/>
-          </ac:spMkLst>
-        </pc:spChg>
-      </pc:sldChg>
-      <pc:sldChg chg="modSp">
-        <pc:chgData name="NaruTo KAZAMAI" userId="017d3e5d8390d408" providerId="LiveId" clId="{3DC90CA9-2A43-4B3E-8588-2174CA0E05D2}" dt="2019-01-02T16:15:42.880" v="748" actId="20577"/>
-        <pc:sldMkLst>
-          <pc:docMk/>
-          <pc:sldMk cId="4217552854" sldId="283"/>
-        </pc:sldMkLst>
-        <pc:spChg chg="mod">
-          <ac:chgData name="NaruTo KAZAMAI" userId="017d3e5d8390d408" providerId="LiveId" clId="{3DC90CA9-2A43-4B3E-8588-2174CA0E05D2}" dt="2019-01-02T16:15:42.880" v="748" actId="20577"/>
-          <ac:spMkLst>
-            <pc:docMk/>
-            <pc:sldMk cId="4217552854" sldId="283"/>
-            <ac:spMk id="2" creationId="{51D4FB85-9232-4E0B-AAE2-AB4B9FDA46A8}"/>
-          </ac:spMkLst>
-        </pc:spChg>
-      </pc:sldChg>
-      <pc:sldChg chg="modSp">
-        <pc:chgData name="NaruTo KAZAMAI" userId="017d3e5d8390d408" providerId="LiveId" clId="{3DC90CA9-2A43-4B3E-8588-2174CA0E05D2}" dt="2019-01-02T16:15:48.957" v="750" actId="20577"/>
-        <pc:sldMkLst>
-          <pc:docMk/>
-          <pc:sldMk cId="1051858913" sldId="286"/>
-        </pc:sldMkLst>
-        <pc:spChg chg="mod">
-          <ac:chgData name="NaruTo KAZAMAI" userId="017d3e5d8390d408" providerId="LiveId" clId="{3DC90CA9-2A43-4B3E-8588-2174CA0E05D2}" dt="2019-01-02T16:15:48.957" v="750" actId="20577"/>
-          <ac:spMkLst>
-            <pc:docMk/>
-            <pc:sldMk cId="1051858913" sldId="286"/>
-            <ac:spMk id="2" creationId="{1257D350-3005-4774-B403-19A72E99F7F7}"/>
-          </ac:spMkLst>
-        </pc:spChg>
-      </pc:sldChg>
-      <pc:sldChg chg="addSp delSp modSp add">
-        <pc:chgData name="NaruTo KAZAMAI" userId="017d3e5d8390d408" providerId="LiveId" clId="{3DC90CA9-2A43-4B3E-8588-2174CA0E05D2}" dt="2019-01-02T16:10:16.570" v="734"/>
-        <pc:sldMkLst>
-          <pc:docMk/>
-          <pc:sldMk cId="1470931662" sldId="290"/>
-        </pc:sldMkLst>
-        <pc:spChg chg="mod">
-          <ac:chgData name="NaruTo KAZAMAI" userId="017d3e5d8390d408" providerId="LiveId" clId="{3DC90CA9-2A43-4B3E-8588-2174CA0E05D2}" dt="2019-01-02T16:10:16.570" v="734"/>
-          <ac:spMkLst>
-            <pc:docMk/>
-            <pc:sldMk cId="1470931662" sldId="290"/>
-            <ac:spMk id="2" creationId="{32385ACD-934E-4EC7-953C-923B8BDD98AC}"/>
-          </ac:spMkLst>
-        </pc:spChg>
-        <pc:spChg chg="del">
-          <ac:chgData name="NaruTo KAZAMAI" userId="017d3e5d8390d408" providerId="LiveId" clId="{3DC90CA9-2A43-4B3E-8588-2174CA0E05D2}" dt="2018-12-28T01:46:21.378" v="333"/>
-          <ac:spMkLst>
-            <pc:docMk/>
-            <pc:sldMk cId="1470931662" sldId="290"/>
-            <ac:spMk id="3" creationId="{70A30BEE-1E0D-4808-AC07-90E6683C89FE}"/>
-          </ac:spMkLst>
-        </pc:spChg>
-        <pc:spChg chg="mod">
-          <ac:chgData name="NaruTo KAZAMAI" userId="017d3e5d8390d408" providerId="LiveId" clId="{3DC90CA9-2A43-4B3E-8588-2174CA0E05D2}" dt="2018-12-28T01:47:29.639" v="338" actId="5793"/>
-          <ac:spMkLst>
-            <pc:docMk/>
-            <pc:sldMk cId="1470931662" sldId="290"/>
-            <ac:spMk id="4" creationId="{D5B638C9-00B4-48A4-A25F-60D215769668}"/>
-          </ac:spMkLst>
-        </pc:spChg>
-        <pc:picChg chg="add mod">
-          <ac:chgData name="NaruTo KAZAMAI" userId="017d3e5d8390d408" providerId="LiveId" clId="{3DC90CA9-2A43-4B3E-8588-2174CA0E05D2}" dt="2018-12-28T01:46:30.998" v="335" actId="14100"/>
-          <ac:picMkLst>
-            <pc:docMk/>
-            <pc:sldMk cId="1470931662" sldId="290"/>
-            <ac:picMk id="5" creationId="{342B6806-4CAB-4BDF-910E-884463858D84}"/>
-          </ac:picMkLst>
-        </pc:picChg>
-      </pc:sldChg>
-      <pc:sldChg chg="addSp delSp modSp add">
-        <pc:chgData name="NaruTo KAZAMAI" userId="017d3e5d8390d408" providerId="LiveId" clId="{3DC90CA9-2A43-4B3E-8588-2174CA0E05D2}" dt="2019-01-02T16:14:29.857" v="744" actId="20577"/>
-        <pc:sldMkLst>
-          <pc:docMk/>
-          <pc:sldMk cId="1054459281" sldId="291"/>
-        </pc:sldMkLst>
-        <pc:spChg chg="mod">
-          <ac:chgData name="NaruTo KAZAMAI" userId="017d3e5d8390d408" providerId="LiveId" clId="{3DC90CA9-2A43-4B3E-8588-2174CA0E05D2}" dt="2019-01-02T16:14:29.857" v="744" actId="20577"/>
-          <ac:spMkLst>
-            <pc:docMk/>
-            <pc:sldMk cId="1054459281" sldId="291"/>
-            <ac:spMk id="2" creationId="{3715E445-1A65-4E35-82E2-752A2551FD92}"/>
-          </ac:spMkLst>
-        </pc:spChg>
-        <pc:spChg chg="del">
-          <ac:chgData name="NaruTo KAZAMAI" userId="017d3e5d8390d408" providerId="LiveId" clId="{3DC90CA9-2A43-4B3E-8588-2174CA0E05D2}" dt="2018-12-28T02:36:37.537" v="364"/>
-          <ac:spMkLst>
-            <pc:docMk/>
-            <pc:sldMk cId="1054459281" sldId="291"/>
-            <ac:spMk id="3" creationId="{5C05B204-8EAB-46D5-95E7-840AECB0EB99}"/>
-          </ac:spMkLst>
-        </pc:spChg>
-        <pc:spChg chg="mod">
-          <ac:chgData name="NaruTo KAZAMAI" userId="017d3e5d8390d408" providerId="LiveId" clId="{3DC90CA9-2A43-4B3E-8588-2174CA0E05D2}" dt="2018-12-28T02:39:15.144" v="619"/>
-          <ac:spMkLst>
-            <pc:docMk/>
-            <pc:sldMk cId="1054459281" sldId="291"/>
-            <ac:spMk id="4" creationId="{847F4C0E-59DD-4C7B-9675-F0BEFBB6E2C8}"/>
-          </ac:spMkLst>
-        </pc:spChg>
-        <pc:picChg chg="add mod">
-          <ac:chgData name="NaruTo KAZAMAI" userId="017d3e5d8390d408" providerId="LiveId" clId="{3DC90CA9-2A43-4B3E-8588-2174CA0E05D2}" dt="2018-12-28T02:36:56.239" v="367" actId="14100"/>
-          <ac:picMkLst>
-            <pc:docMk/>
-            <pc:sldMk cId="1054459281" sldId="291"/>
-            <ac:picMk id="5" creationId="{B42FA6F3-945F-47A3-BA5D-B357D4F241E2}"/>
-          </ac:picMkLst>
-        </pc:picChg>
-      </pc:sldChg>
-      <pc:sldChg chg="modSp add">
-        <pc:chgData name="NaruTo KAZAMAI" userId="017d3e5d8390d408" providerId="LiveId" clId="{3DC90CA9-2A43-4B3E-8588-2174CA0E05D2}" dt="2019-01-02T16:06:54.678" v="687" actId="6549"/>
-        <pc:sldMkLst>
-          <pc:docMk/>
-          <pc:sldMk cId="2505162446" sldId="292"/>
-        </pc:sldMkLst>
-        <pc:spChg chg="mod">
-          <ac:chgData name="NaruTo KAZAMAI" userId="017d3e5d8390d408" providerId="LiveId" clId="{3DC90CA9-2A43-4B3E-8588-2174CA0E05D2}" dt="2019-01-02T16:06:54.678" v="687" actId="6549"/>
-          <ac:spMkLst>
-            <pc:docMk/>
-            <pc:sldMk cId="2505162446" sldId="292"/>
-            <ac:spMk id="3" creationId="{2DB5CCB0-33DE-437A-8EB3-6155B189EAB1}"/>
-          </ac:spMkLst>
-        </pc:spChg>
-      </pc:sldChg>
-      <pc:sldChg chg="addSp delSp modSp add">
-        <pc:chgData name="NaruTo KAZAMAI" userId="017d3e5d8390d408" providerId="LiveId" clId="{3DC90CA9-2A43-4B3E-8588-2174CA0E05D2}" dt="2019-01-02T16:33:45.260" v="801"/>
-        <pc:sldMkLst>
-          <pc:docMk/>
-          <pc:sldMk cId="3421376112" sldId="293"/>
-        </pc:sldMkLst>
-        <pc:spChg chg="mod">
-          <ac:chgData name="NaruTo KAZAMAI" userId="017d3e5d8390d408" providerId="LiveId" clId="{3DC90CA9-2A43-4B3E-8588-2174CA0E05D2}" dt="2019-01-02T16:33:45.260" v="801"/>
-          <ac:spMkLst>
-            <pc:docMk/>
-            <pc:sldMk cId="3421376112" sldId="293"/>
-            <ac:spMk id="2" creationId="{20CA4868-AFC3-4E2D-A14B-7D6FA5F74384}"/>
-          </ac:spMkLst>
-        </pc:spChg>
-        <pc:spChg chg="del">
-          <ac:chgData name="NaruTo KAZAMAI" userId="017d3e5d8390d408" providerId="LiveId" clId="{3DC90CA9-2A43-4B3E-8588-2174CA0E05D2}" dt="2019-01-02T16:29:40.899" v="758"/>
-          <ac:spMkLst>
-            <pc:docMk/>
-            <pc:sldMk cId="3421376112" sldId="293"/>
-            <ac:spMk id="3" creationId="{50DA05D6-A976-4EB7-9438-3DB8A7621AF2}"/>
-          </ac:spMkLst>
-        </pc:spChg>
-        <pc:picChg chg="add mod">
-          <ac:chgData name="NaruTo KAZAMAI" userId="017d3e5d8390d408" providerId="LiveId" clId="{3DC90CA9-2A43-4B3E-8588-2174CA0E05D2}" dt="2019-01-02T16:29:45.525" v="759" actId="1076"/>
-          <ac:picMkLst>
-            <pc:docMk/>
-            <pc:sldMk cId="3421376112" sldId="293"/>
-            <ac:picMk id="4" creationId="{2813DD64-66D6-4DB4-8317-6822AD4458A2}"/>
-          </ac:picMkLst>
-        </pc:picChg>
-        <pc:picChg chg="add del mod">
-          <ac:chgData name="NaruTo KAZAMAI" userId="017d3e5d8390d408" providerId="LiveId" clId="{3DC90CA9-2A43-4B3E-8588-2174CA0E05D2}" dt="2019-01-02T16:31:54.292" v="763"/>
-          <ac:picMkLst>
-            <pc:docMk/>
-            <pc:sldMk cId="3421376112" sldId="293"/>
-            <ac:picMk id="5" creationId="{719D2540-02C7-4857-B8DA-13AA47B88049}"/>
-          </ac:picMkLst>
-        </pc:picChg>
-      </pc:sldChg>
-      <pc:sldChg chg="addSp modSp add">
-        <pc:chgData name="NaruTo KAZAMAI" userId="017d3e5d8390d408" providerId="LiveId" clId="{3DC90CA9-2A43-4B3E-8588-2174CA0E05D2}" dt="2019-01-02T16:34:00.616" v="807"/>
-        <pc:sldMkLst>
-          <pc:docMk/>
-          <pc:sldMk cId="1409573841" sldId="294"/>
-        </pc:sldMkLst>
-        <pc:spChg chg="mod">
-          <ac:chgData name="NaruTo KAZAMAI" userId="017d3e5d8390d408" providerId="LiveId" clId="{3DC90CA9-2A43-4B3E-8588-2174CA0E05D2}" dt="2019-01-02T16:34:00.616" v="807"/>
-          <ac:spMkLst>
-            <pc:docMk/>
-            <pc:sldMk cId="1409573841" sldId="294"/>
-            <ac:spMk id="2" creationId="{51AFA6C4-E891-4617-AE62-5722BEFEAFD8}"/>
-          </ac:spMkLst>
-        </pc:spChg>
-        <pc:picChg chg="add mod">
-          <ac:chgData name="NaruTo KAZAMAI" userId="017d3e5d8390d408" providerId="LiveId" clId="{3DC90CA9-2A43-4B3E-8588-2174CA0E05D2}" dt="2019-01-02T16:32:09.086" v="767" actId="14100"/>
-          <ac:picMkLst>
-            <pc:docMk/>
-            <pc:sldMk cId="1409573841" sldId="294"/>
-            <ac:picMk id="4" creationId="{81817C88-2C07-4B6A-926D-0E8291317A58}"/>
-          </ac:picMkLst>
-        </pc:picChg>
-      </pc:sldChg>
-      <pc:sldChg chg="addSp modSp add">
-        <pc:chgData name="NaruTo KAZAMAI" userId="017d3e5d8390d408" providerId="LiveId" clId="{3DC90CA9-2A43-4B3E-8588-2174CA0E05D2}" dt="2019-01-02T16:34:07.130" v="813"/>
-        <pc:sldMkLst>
-          <pc:docMk/>
-          <pc:sldMk cId="1170454488" sldId="295"/>
-        </pc:sldMkLst>
-        <pc:spChg chg="mod">
-          <ac:chgData name="NaruTo KAZAMAI" userId="017d3e5d8390d408" providerId="LiveId" clId="{3DC90CA9-2A43-4B3E-8588-2174CA0E05D2}" dt="2019-01-02T16:34:07.130" v="813"/>
-          <ac:spMkLst>
-            <pc:docMk/>
-            <pc:sldMk cId="1170454488" sldId="295"/>
-            <ac:spMk id="2" creationId="{A1918C6C-5E96-42A2-995F-8AE301E870A3}"/>
-          </ac:spMkLst>
-        </pc:spChg>
-        <pc:picChg chg="add mod">
-          <ac:chgData name="NaruTo KAZAMAI" userId="017d3e5d8390d408" providerId="LiveId" clId="{3DC90CA9-2A43-4B3E-8588-2174CA0E05D2}" dt="2019-01-02T16:33:16.672" v="771" actId="1076"/>
-          <ac:picMkLst>
-            <pc:docMk/>
-            <pc:sldMk cId="1170454488" sldId="295"/>
-            <ac:picMk id="4" creationId="{9E2DE89C-C298-4728-88A8-4AC8202582EE}"/>
-          </ac:picMkLst>
-        </pc:picChg>
-      </pc:sldChg>
-    </pc:docChg>
-  </pc:docChgLst>
-  <pc:docChgLst>
-    <pc:chgData name="NaruTo KAZAMAI" userId="017d3e5d8390d408" providerId="LiveId" clId="{F9F93CA1-5FEA-4ADE-A5A1-FAEAC9954CE9}"/>
-    <pc:docChg chg="custSel delSld modSld">
-      <pc:chgData name="NaruTo KAZAMAI" userId="017d3e5d8390d408" providerId="LiveId" clId="{F9F93CA1-5FEA-4ADE-A5A1-FAEAC9954CE9}" dt="2018-12-25T11:27:37.822" v="39" actId="692"/>
-      <pc:docMkLst>
-        <pc:docMk/>
-      </pc:docMkLst>
-      <pc:sldChg chg="modSp">
-        <pc:chgData name="NaruTo KAZAMAI" userId="017d3e5d8390d408" providerId="LiveId" clId="{F9F93CA1-5FEA-4ADE-A5A1-FAEAC9954CE9}" dt="2018-12-25T11:20:43.767" v="1" actId="20577"/>
-        <pc:sldMkLst>
-          <pc:docMk/>
-          <pc:sldMk cId="1334848250" sldId="262"/>
-        </pc:sldMkLst>
-        <pc:spChg chg="mod">
-          <ac:chgData name="NaruTo KAZAMAI" userId="017d3e5d8390d408" providerId="LiveId" clId="{F9F93CA1-5FEA-4ADE-A5A1-FAEAC9954CE9}" dt="2018-12-25T11:20:43.767" v="1" actId="20577"/>
-          <ac:spMkLst>
-            <pc:docMk/>
-            <pc:sldMk cId="1334848250" sldId="262"/>
-            <ac:spMk id="2" creationId="{3FF227B7-64F6-4408-9652-4ECDCAC8963C}"/>
-          </ac:spMkLst>
-        </pc:spChg>
-      </pc:sldChg>
-      <pc:sldChg chg="modSp">
-        <pc:chgData name="NaruTo KAZAMAI" userId="017d3e5d8390d408" providerId="LiveId" clId="{F9F93CA1-5FEA-4ADE-A5A1-FAEAC9954CE9}" dt="2018-12-25T11:20:59.685" v="4" actId="20577"/>
-        <pc:sldMkLst>
-          <pc:docMk/>
-          <pc:sldMk cId="3656476374" sldId="269"/>
-        </pc:sldMkLst>
-        <pc:spChg chg="mod">
-          <ac:chgData name="NaruTo KAZAMAI" userId="017d3e5d8390d408" providerId="LiveId" clId="{F9F93CA1-5FEA-4ADE-A5A1-FAEAC9954CE9}" dt="2018-12-25T11:20:59.685" v="4" actId="20577"/>
-          <ac:spMkLst>
-            <pc:docMk/>
-            <pc:sldMk cId="3656476374" sldId="269"/>
-            <ac:spMk id="2" creationId="{250E0D18-7C50-47C5-8B52-C184F1E6E1B6}"/>
-          </ac:spMkLst>
-        </pc:spChg>
-      </pc:sldChg>
-      <pc:sldChg chg="modSp">
-        <pc:chgData name="NaruTo KAZAMAI" userId="017d3e5d8390d408" providerId="LiveId" clId="{F9F93CA1-5FEA-4ADE-A5A1-FAEAC9954CE9}" dt="2018-12-25T11:21:13.197" v="7" actId="6549"/>
-        <pc:sldMkLst>
-          <pc:docMk/>
-          <pc:sldMk cId="1502882784" sldId="270"/>
-        </pc:sldMkLst>
-        <pc:spChg chg="mod">
-          <ac:chgData name="NaruTo KAZAMAI" userId="017d3e5d8390d408" providerId="LiveId" clId="{F9F93CA1-5FEA-4ADE-A5A1-FAEAC9954CE9}" dt="2018-12-25T11:21:13.197" v="7" actId="6549"/>
-          <ac:spMkLst>
-            <pc:docMk/>
-            <pc:sldMk cId="1502882784" sldId="270"/>
-            <ac:spMk id="2" creationId="{1DD937B2-8919-46AC-9A61-0352C75D4ED3}"/>
-          </ac:spMkLst>
-        </pc:spChg>
-      </pc:sldChg>
-      <pc:sldChg chg="modSp">
-        <pc:chgData name="NaruTo KAZAMAI" userId="017d3e5d8390d408" providerId="LiveId" clId="{F9F93CA1-5FEA-4ADE-A5A1-FAEAC9954CE9}" dt="2018-12-25T11:21:22.861" v="10" actId="6549"/>
-        <pc:sldMkLst>
-          <pc:docMk/>
-          <pc:sldMk cId="866001438" sldId="272"/>
-        </pc:sldMkLst>
-        <pc:spChg chg="mod">
-          <ac:chgData name="NaruTo KAZAMAI" userId="017d3e5d8390d408" providerId="LiveId" clId="{F9F93CA1-5FEA-4ADE-A5A1-FAEAC9954CE9}" dt="2018-12-25T11:21:22.861" v="10" actId="6549"/>
-          <ac:spMkLst>
-            <pc:docMk/>
-            <pc:sldMk cId="866001438" sldId="272"/>
-            <ac:spMk id="2" creationId="{1F4E384F-DCC4-4DAD-8D61-472D7F0E0DCB}"/>
-          </ac:spMkLst>
-        </pc:spChg>
-      </pc:sldChg>
-      <pc:sldChg chg="modSp">
-        <pc:chgData name="NaruTo KAZAMAI" userId="017d3e5d8390d408" providerId="LiveId" clId="{F9F93CA1-5FEA-4ADE-A5A1-FAEAC9954CE9}" dt="2018-12-25T11:21:30.885" v="13" actId="6549"/>
-        <pc:sldMkLst>
-          <pc:docMk/>
-          <pc:sldMk cId="846148452" sldId="275"/>
-        </pc:sldMkLst>
-        <pc:spChg chg="mod">
-          <ac:chgData name="NaruTo KAZAMAI" userId="017d3e5d8390d408" providerId="LiveId" clId="{F9F93CA1-5FEA-4ADE-A5A1-FAEAC9954CE9}" dt="2018-12-25T11:21:30.885" v="13" actId="6549"/>
-          <ac:spMkLst>
-            <pc:docMk/>
-            <pc:sldMk cId="846148452" sldId="275"/>
-            <ac:spMk id="2" creationId="{0F9475F4-D2DD-4023-A74C-325AAD71A6F7}"/>
-          </ac:spMkLst>
-        </pc:spChg>
-      </pc:sldChg>
-      <pc:sldChg chg="addSp delSp modSp">
-        <pc:chgData name="NaruTo KAZAMAI" userId="017d3e5d8390d408" providerId="LiveId" clId="{F9F93CA1-5FEA-4ADE-A5A1-FAEAC9954CE9}" dt="2018-12-25T11:26:06.390" v="29" actId="1076"/>
-        <pc:sldMkLst>
-          <pc:docMk/>
-          <pc:sldMk cId="3738879408" sldId="281"/>
-        </pc:sldMkLst>
-        <pc:spChg chg="mod">
-          <ac:chgData name="NaruTo KAZAMAI" userId="017d3e5d8390d408" providerId="LiveId" clId="{F9F93CA1-5FEA-4ADE-A5A1-FAEAC9954CE9}" dt="2018-12-25T11:22:01.094" v="25" actId="20577"/>
-          <ac:spMkLst>
-            <pc:docMk/>
-            <pc:sldMk cId="3738879408" sldId="281"/>
-            <ac:spMk id="2" creationId="{0EE785E9-BBFC-4BB5-92F3-0353DEE90B5D}"/>
-          </ac:spMkLst>
-        </pc:spChg>
-        <pc:spChg chg="mod">
-          <ac:chgData name="NaruTo KAZAMAI" userId="017d3e5d8390d408" providerId="LiveId" clId="{F9F93CA1-5FEA-4ADE-A5A1-FAEAC9954CE9}" dt="2018-12-25T11:21:54.870" v="21" actId="20577"/>
-          <ac:spMkLst>
-            <pc:docMk/>
-            <pc:sldMk cId="3738879408" sldId="281"/>
-            <ac:spMk id="3" creationId="{9DB43AAE-E9DE-4576-A296-331337F3E0E1}"/>
-          </ac:spMkLst>
-        </pc:spChg>
-        <pc:picChg chg="add mod">
-          <ac:chgData name="NaruTo KAZAMAI" userId="017d3e5d8390d408" providerId="LiveId" clId="{F9F93CA1-5FEA-4ADE-A5A1-FAEAC9954CE9}" dt="2018-12-25T11:26:06.390" v="29" actId="1076"/>
-          <ac:picMkLst>
-            <pc:docMk/>
-            <pc:sldMk cId="3738879408" sldId="281"/>
-            <ac:picMk id="4" creationId="{7D5E210F-AB46-4E9A-8104-A17BC2EB651D}"/>
-          </ac:picMkLst>
-        </pc:picChg>
-        <pc:picChg chg="del">
-          <ac:chgData name="NaruTo KAZAMAI" userId="017d3e5d8390d408" providerId="LiveId" clId="{F9F93CA1-5FEA-4ADE-A5A1-FAEAC9954CE9}" dt="2018-12-25T11:25:59.534" v="27" actId="478"/>
-          <ac:picMkLst>
-            <pc:docMk/>
-            <pc:sldMk cId="3738879408" sldId="281"/>
-            <ac:picMk id="6" creationId="{269C7BFE-F66E-4E29-B839-6CE1A2DF6E69}"/>
-          </ac:picMkLst>
-        </pc:picChg>
-      </pc:sldChg>
-      <pc:sldChg chg="addSp delSp modSp">
-        <pc:chgData name="NaruTo KAZAMAI" userId="017d3e5d8390d408" providerId="LiveId" clId="{F9F93CA1-5FEA-4ADE-A5A1-FAEAC9954CE9}" dt="2018-12-25T11:27:37.822" v="39" actId="692"/>
-        <pc:sldMkLst>
-          <pc:docMk/>
-          <pc:sldMk cId="1051858913" sldId="286"/>
-        </pc:sldMkLst>
-        <pc:picChg chg="del">
-          <ac:chgData name="NaruTo KAZAMAI" userId="017d3e5d8390d408" providerId="LiveId" clId="{F9F93CA1-5FEA-4ADE-A5A1-FAEAC9954CE9}" dt="2018-12-25T11:26:39.774" v="30" actId="478"/>
-          <ac:picMkLst>
-            <pc:docMk/>
-            <pc:sldMk cId="1051858913" sldId="286"/>
-            <ac:picMk id="4" creationId="{98900DF2-1143-49AA-91F1-FBA473C1C7D2}"/>
-          </ac:picMkLst>
-        </pc:picChg>
-        <pc:picChg chg="mod">
-          <ac:chgData name="NaruTo KAZAMAI" userId="017d3e5d8390d408" providerId="LiveId" clId="{F9F93CA1-5FEA-4ADE-A5A1-FAEAC9954CE9}" dt="2018-12-25T11:27:10.838" v="38" actId="1076"/>
-          <ac:picMkLst>
-            <pc:docMk/>
-            <pc:sldMk cId="1051858913" sldId="286"/>
-            <ac:picMk id="5" creationId="{7EC63F49-4B2D-420B-B015-97BF1C5897F9}"/>
-          </ac:picMkLst>
-        </pc:picChg>
-        <pc:picChg chg="add mod">
-          <ac:chgData name="NaruTo KAZAMAI" userId="017d3e5d8390d408" providerId="LiveId" clId="{F9F93CA1-5FEA-4ADE-A5A1-FAEAC9954CE9}" dt="2018-12-25T11:27:37.822" v="39" actId="692"/>
-          <ac:picMkLst>
-            <pc:docMk/>
-            <pc:sldMk cId="1051858913" sldId="286"/>
-            <ac:picMk id="6" creationId="{35463FDB-F16B-4AFE-9EA9-D952CF7D55D4}"/>
-          </ac:picMkLst>
-        </pc:picChg>
-      </pc:sldChg>
-    </pc:docChg>
-  </pc:docChgLst>
-</pc:chgInfo>
-</file>
-
 <file path=ppt/slideLayouts/slideLayout1.xml><?xml version="1.0" encoding="utf-8"?>
 <p:sldLayout xmlns:a="http://schemas.openxmlformats.org/drawingml/2006/main" xmlns:r="http://schemas.openxmlformats.org/officeDocument/2006/relationships" xmlns:p="http://schemas.openxmlformats.org/presentationml/2006/main" type="title" preserve="1">
   <p:cSld name="タイトル スライド">
@@ -1362,7 +286,7 @@
           <a:p>
             <a:fld id="{556F53F3-2242-4097-A2BE-170E1D1018F9}" type="datetimeFigureOut">
               <a:rPr kumimoji="1" lang="ja-JP" altLang="en-US" smtClean="0"/>
-              <a:t>2019/1/25</a:t>
+              <a:t>2019/1/28</a:t>
             </a:fld>
             <a:endParaRPr kumimoji="1" lang="ja-JP" altLang="en-US" dirty="0"/>
           </a:p>
@@ -1592,7 +516,7 @@
           <a:p>
             <a:fld id="{556F53F3-2242-4097-A2BE-170E1D1018F9}" type="datetimeFigureOut">
               <a:rPr kumimoji="1" lang="ja-JP" altLang="en-US" smtClean="0"/>
-              <a:t>2019/1/25</a:t>
+              <a:t>2019/1/28</a:t>
             </a:fld>
             <a:endParaRPr kumimoji="1" lang="ja-JP" altLang="en-US" dirty="0"/>
           </a:p>
@@ -1832,7 +756,7 @@
           <a:p>
             <a:fld id="{556F53F3-2242-4097-A2BE-170E1D1018F9}" type="datetimeFigureOut">
               <a:rPr kumimoji="1" lang="ja-JP" altLang="en-US" smtClean="0"/>
-              <a:t>2019/1/25</a:t>
+              <a:t>2019/1/28</a:t>
             </a:fld>
             <a:endParaRPr kumimoji="1" lang="ja-JP" altLang="en-US" dirty="0"/>
           </a:p>
@@ -2062,7 +986,7 @@
           <a:p>
             <a:fld id="{556F53F3-2242-4097-A2BE-170E1D1018F9}" type="datetimeFigureOut">
               <a:rPr kumimoji="1" lang="ja-JP" altLang="en-US" smtClean="0"/>
-              <a:t>2019/1/25</a:t>
+              <a:t>2019/1/28</a:t>
             </a:fld>
             <a:endParaRPr kumimoji="1" lang="ja-JP" altLang="en-US" dirty="0"/>
           </a:p>
@@ -2337,7 +1261,7 @@
           <a:p>
             <a:fld id="{556F53F3-2242-4097-A2BE-170E1D1018F9}" type="datetimeFigureOut">
               <a:rPr kumimoji="1" lang="ja-JP" altLang="en-US" smtClean="0"/>
-              <a:t>2019/1/25</a:t>
+              <a:t>2019/1/28</a:t>
             </a:fld>
             <a:endParaRPr kumimoji="1" lang="ja-JP" altLang="en-US" dirty="0"/>
           </a:p>
@@ -2666,7 +1590,7 @@
           <a:p>
             <a:fld id="{556F53F3-2242-4097-A2BE-170E1D1018F9}" type="datetimeFigureOut">
               <a:rPr kumimoji="1" lang="ja-JP" altLang="en-US" smtClean="0"/>
-              <a:t>2019/1/25</a:t>
+              <a:t>2019/1/28</a:t>
             </a:fld>
             <a:endParaRPr kumimoji="1" lang="ja-JP" altLang="en-US" dirty="0"/>
           </a:p>
@@ -3142,7 +2066,7 @@
           <a:p>
             <a:fld id="{556F53F3-2242-4097-A2BE-170E1D1018F9}" type="datetimeFigureOut">
               <a:rPr kumimoji="1" lang="ja-JP" altLang="en-US" smtClean="0"/>
-              <a:t>2019/1/25</a:t>
+              <a:t>2019/1/28</a:t>
             </a:fld>
             <a:endParaRPr kumimoji="1" lang="ja-JP" altLang="en-US" dirty="0"/>
           </a:p>
@@ -3283,7 +2207,7 @@
           <a:p>
             <a:fld id="{556F53F3-2242-4097-A2BE-170E1D1018F9}" type="datetimeFigureOut">
               <a:rPr kumimoji="1" lang="ja-JP" altLang="en-US" smtClean="0"/>
-              <a:t>2019/1/25</a:t>
+              <a:t>2019/1/28</a:t>
             </a:fld>
             <a:endParaRPr kumimoji="1" lang="ja-JP" altLang="en-US" dirty="0"/>
           </a:p>
@@ -3396,7 +2320,7 @@
           <a:p>
             <a:fld id="{556F53F3-2242-4097-A2BE-170E1D1018F9}" type="datetimeFigureOut">
               <a:rPr kumimoji="1" lang="ja-JP" altLang="en-US" smtClean="0"/>
-              <a:t>2019/1/25</a:t>
+              <a:t>2019/1/28</a:t>
             </a:fld>
             <a:endParaRPr kumimoji="1" lang="ja-JP" altLang="en-US" dirty="0"/>
           </a:p>
@@ -3739,7 +2663,7 @@
           <a:p>
             <a:fld id="{556F53F3-2242-4097-A2BE-170E1D1018F9}" type="datetimeFigureOut">
               <a:rPr kumimoji="1" lang="ja-JP" altLang="en-US" smtClean="0"/>
-              <a:t>2019/1/25</a:t>
+              <a:t>2019/1/28</a:t>
             </a:fld>
             <a:endParaRPr kumimoji="1" lang="ja-JP" altLang="en-US" dirty="0"/>
           </a:p>
@@ -4027,7 +2951,7 @@
           <a:p>
             <a:fld id="{556F53F3-2242-4097-A2BE-170E1D1018F9}" type="datetimeFigureOut">
               <a:rPr kumimoji="1" lang="ja-JP" altLang="en-US" smtClean="0"/>
-              <a:t>2019/1/25</a:t>
+              <a:t>2019/1/28</a:t>
             </a:fld>
             <a:endParaRPr kumimoji="1" lang="ja-JP" altLang="en-US" dirty="0"/>
           </a:p>
@@ -4300,7 +3224,7 @@
           <a:p>
             <a:fld id="{556F53F3-2242-4097-A2BE-170E1D1018F9}" type="datetimeFigureOut">
               <a:rPr kumimoji="1" lang="ja-JP" altLang="en-US" smtClean="0"/>
-              <a:t>2019/1/25</a:t>
+              <a:t>2019/1/28</a:t>
             </a:fld>
             <a:endParaRPr kumimoji="1" lang="ja-JP" altLang="en-US" dirty="0"/>
           </a:p>
